--- a/機器學習HW4官20201117.pptx
+++ b/機器學習HW4官20201117.pptx
@@ -5,21 +5,20 @@
     <p:sldMasterId id="2147483648" r:id="rId1"/>
   </p:sldMasterIdLst>
   <p:notesMasterIdLst>
-    <p:notesMasterId r:id="rId11"/>
+    <p:notesMasterId r:id="rId10"/>
   </p:notesMasterIdLst>
   <p:handoutMasterIdLst>
-    <p:handoutMasterId r:id="rId12"/>
+    <p:handoutMasterId r:id="rId11"/>
   </p:handoutMasterIdLst>
   <p:sldIdLst>
     <p:sldId id="259" r:id="rId2"/>
     <p:sldId id="261" r:id="rId3"/>
     <p:sldId id="268" r:id="rId4"/>
-    <p:sldId id="264" r:id="rId5"/>
-    <p:sldId id="262" r:id="rId6"/>
-    <p:sldId id="263" r:id="rId7"/>
-    <p:sldId id="265" r:id="rId8"/>
-    <p:sldId id="266" r:id="rId9"/>
-    <p:sldId id="267" r:id="rId10"/>
+    <p:sldId id="262" r:id="rId5"/>
+    <p:sldId id="263" r:id="rId6"/>
+    <p:sldId id="265" r:id="rId7"/>
+    <p:sldId id="266" r:id="rId8"/>
+    <p:sldId id="267" r:id="rId9"/>
   </p:sldIdLst>
   <p:sldSz cx="12192000" cy="6858000"/>
   <p:notesSz cx="6858000" cy="9144000"/>
@@ -134,7 +133,6 @@
         <p14:section name="需求" id="{F4F986B7-E6A4-415B-BA9C-D678C171AFDE}">
           <p14:sldIdLst>
             <p14:sldId id="268"/>
-            <p14:sldId id="264"/>
             <p14:sldId id="262"/>
             <p14:sldId id="263"/>
           </p14:sldIdLst>
@@ -1020,7 +1018,7 @@
     </p:spTree>
     <p:extLst>
       <p:ext uri="{BB962C8B-B14F-4D97-AF65-F5344CB8AC3E}">
-        <p14:creationId xmlns:p14="http://schemas.microsoft.com/office/powerpoint/2010/main" val="1045060778"/>
+        <p14:creationId xmlns:p14="http://schemas.microsoft.com/office/powerpoint/2010/main" val="252492492"/>
       </p:ext>
     </p:extLst>
   </p:cSld>
@@ -1104,7 +1102,7 @@
     </p:spTree>
     <p:extLst>
       <p:ext uri="{BB962C8B-B14F-4D97-AF65-F5344CB8AC3E}">
-        <p14:creationId xmlns:p14="http://schemas.microsoft.com/office/powerpoint/2010/main" val="252492492"/>
+        <p14:creationId xmlns:p14="http://schemas.microsoft.com/office/powerpoint/2010/main" val="2837989146"/>
       </p:ext>
     </p:extLst>
   </p:cSld>
@@ -1188,7 +1186,7 @@
     </p:spTree>
     <p:extLst>
       <p:ext uri="{BB962C8B-B14F-4D97-AF65-F5344CB8AC3E}">
-        <p14:creationId xmlns:p14="http://schemas.microsoft.com/office/powerpoint/2010/main" val="2837989146"/>
+        <p14:creationId xmlns:p14="http://schemas.microsoft.com/office/powerpoint/2010/main" val="3964367819"/>
       </p:ext>
     </p:extLst>
   </p:cSld>
@@ -1272,7 +1270,7 @@
     </p:spTree>
     <p:extLst>
       <p:ext uri="{BB962C8B-B14F-4D97-AF65-F5344CB8AC3E}">
-        <p14:creationId xmlns:p14="http://schemas.microsoft.com/office/powerpoint/2010/main" val="3964367819"/>
+        <p14:creationId xmlns:p14="http://schemas.microsoft.com/office/powerpoint/2010/main" val="1245736991"/>
       </p:ext>
     </p:extLst>
   </p:cSld>
@@ -1348,90 +1346,6 @@
             <a:fld id="{EF8A6B0B-A5FB-4629-B823-69B1A9EB3A43}" type="slidenum">
               <a:rPr lang="zh-TW" altLang="en-US" smtClean="0"/>
               <a:t>8</a:t>
-            </a:fld>
-            <a:endParaRPr lang="zh-TW" altLang="en-US"/>
-          </a:p>
-        </p:txBody>
-      </p:sp>
-    </p:spTree>
-    <p:extLst>
-      <p:ext uri="{BB962C8B-B14F-4D97-AF65-F5344CB8AC3E}">
-        <p14:creationId xmlns:p14="http://schemas.microsoft.com/office/powerpoint/2010/main" val="1245736991"/>
-      </p:ext>
-    </p:extLst>
-  </p:cSld>
-  <p:clrMapOvr>
-    <a:masterClrMapping/>
-  </p:clrMapOvr>
-</p:notes>
-</file>
-
-<file path=ppt/notesSlides/notesSlide9.xml><?xml version="1.0" encoding="utf-8"?>
-<p:notes xmlns:a="http://schemas.openxmlformats.org/drawingml/2006/main" xmlns:r="http://schemas.openxmlformats.org/officeDocument/2006/relationships" xmlns:p="http://schemas.openxmlformats.org/presentationml/2006/main">
-  <p:cSld>
-    <p:spTree>
-      <p:nvGrpSpPr>
-        <p:cNvPr id="1" name=""/>
-        <p:cNvGrpSpPr/>
-        <p:nvPr/>
-      </p:nvGrpSpPr>
-      <p:grpSpPr>
-        <a:xfrm>
-          <a:off x="0" y="0"/>
-          <a:ext cx="0" cy="0"/>
-          <a:chOff x="0" y="0"/>
-          <a:chExt cx="0" cy="0"/>
-        </a:xfrm>
-      </p:grpSpPr>
-      <p:sp>
-        <p:nvSpPr>
-          <p:cNvPr id="2" name="投影片圖像版面配置區 1"/>
-          <p:cNvSpPr>
-            <a:spLocks noGrp="1" noRot="1" noChangeAspect="1"/>
-          </p:cNvSpPr>
-          <p:nvPr>
-            <p:ph type="sldImg"/>
-          </p:nvPr>
-        </p:nvSpPr>
-        <p:spPr/>
-      </p:sp>
-      <p:sp>
-        <p:nvSpPr>
-          <p:cNvPr id="3" name="備忘稿版面配置區 2"/>
-          <p:cNvSpPr>
-            <a:spLocks noGrp="1"/>
-          </p:cNvSpPr>
-          <p:nvPr>
-            <p:ph type="body" idx="1"/>
-          </p:nvPr>
-        </p:nvSpPr>
-        <p:spPr/>
-        <p:txBody>
-          <a:bodyPr/>
-          <a:lstStyle/>
-          <a:p>
-            <a:endParaRPr lang="zh-TW" altLang="en-US" dirty="0"/>
-          </a:p>
-        </p:txBody>
-      </p:sp>
-      <p:sp>
-        <p:nvSpPr>
-          <p:cNvPr id="4" name="投影片編號版面配置區 3"/>
-          <p:cNvSpPr>
-            <a:spLocks noGrp="1"/>
-          </p:cNvSpPr>
-          <p:nvPr>
-            <p:ph type="sldNum" sz="quarter" idx="10"/>
-          </p:nvPr>
-        </p:nvSpPr>
-        <p:spPr/>
-        <p:txBody>
-          <a:bodyPr/>
-          <a:lstStyle/>
-          <a:p>
-            <a:fld id="{EF8A6B0B-A5FB-4629-B823-69B1A9EB3A43}" type="slidenum">
-              <a:rPr lang="zh-TW" altLang="en-US" smtClean="0"/>
-              <a:t>9</a:t>
             </a:fld>
             <a:endParaRPr lang="zh-TW" altLang="en-US"/>
           </a:p>
@@ -4608,7 +4522,7 @@
                 <a:latin typeface="Microsoft JhengHei UI" panose="020B0604030504040204" pitchFamily="34" charset="-120"/>
                 <a:ea typeface="Microsoft JhengHei UI" panose="020B0604030504040204" pitchFamily="34" charset="-120"/>
               </a:rPr>
-              <a:t>需求：</a:t>
+              <a:t>需求</a:t>
             </a:r>
             <a:endParaRPr lang="en-US" altLang="zh-TW" sz="2400" dirty="0">
               <a:latin typeface="Microsoft JhengHei UI" panose="020B0604030504040204" pitchFamily="34" charset="-120"/>
@@ -4652,24 +4566,6 @@
             </a:endParaRPr>
           </a:p>
           <a:p>
-            <a:pPr lvl="1">
-              <a:lnSpc>
-                <a:spcPct val="150000"/>
-              </a:lnSpc>
-            </a:pPr>
-            <a:r>
-              <a:rPr lang="zh-TW" altLang="en-US" sz="2400" dirty="0">
-                <a:latin typeface="Microsoft JhengHei UI" panose="020B0604030504040204" pitchFamily="34" charset="-120"/>
-                <a:ea typeface="Microsoft JhengHei UI" panose="020B0604030504040204" pitchFamily="34" charset="-120"/>
-              </a:rPr>
-              <a:t>環境</a:t>
-            </a:r>
-            <a:endParaRPr lang="en-US" altLang="zh-TW" sz="2400" dirty="0">
-              <a:latin typeface="Microsoft JhengHei UI" panose="020B0604030504040204" pitchFamily="34" charset="-120"/>
-              <a:ea typeface="Microsoft JhengHei UI" panose="020B0604030504040204" pitchFamily="34" charset="-120"/>
-            </a:endParaRPr>
-          </a:p>
-          <a:p>
             <a:pPr>
               <a:lnSpc>
                 <a:spcPct val="150000"/>
@@ -4680,7 +4576,25 @@
                 <a:latin typeface="Microsoft JhengHei UI" panose="020B0604030504040204" pitchFamily="34" charset="-120"/>
                 <a:ea typeface="Microsoft JhengHei UI" panose="020B0604030504040204" pitchFamily="34" charset="-120"/>
               </a:rPr>
-              <a:t>分析：</a:t>
+              <a:t>環境限制</a:t>
+            </a:r>
+            <a:endParaRPr lang="en-US" altLang="zh-TW" sz="2400" dirty="0">
+              <a:latin typeface="Microsoft JhengHei UI" panose="020B0604030504040204" pitchFamily="34" charset="-120"/>
+              <a:ea typeface="Microsoft JhengHei UI" panose="020B0604030504040204" pitchFamily="34" charset="-120"/>
+            </a:endParaRPr>
+          </a:p>
+          <a:p>
+            <a:pPr>
+              <a:lnSpc>
+                <a:spcPct val="150000"/>
+              </a:lnSpc>
+            </a:pPr>
+            <a:r>
+              <a:rPr lang="zh-TW" altLang="en-US" sz="2400" dirty="0">
+                <a:latin typeface="Microsoft JhengHei UI" panose="020B0604030504040204" pitchFamily="34" charset="-120"/>
+                <a:ea typeface="Microsoft JhengHei UI" panose="020B0604030504040204" pitchFamily="34" charset="-120"/>
+              </a:rPr>
+              <a:t>分析</a:t>
             </a:r>
             <a:endParaRPr lang="en-US" altLang="zh-TW" sz="2400" dirty="0">
               <a:latin typeface="Microsoft JhengHei UI" panose="020B0604030504040204" pitchFamily="34" charset="-120"/>
@@ -4840,41 +4754,114 @@
             <a:pPr marL="0" indent="0">
               <a:buNone/>
             </a:pPr>
+            <a:r>
+              <a:rPr lang="zh-TW" altLang="en-US" sz="2000" dirty="0">
+                <a:latin typeface="Microsoft JhengHei UI" panose="020B0604030504040204" pitchFamily="34" charset="-120"/>
+                <a:ea typeface="Microsoft JhengHei UI" panose="020B0604030504040204" pitchFamily="34" charset="-120"/>
+              </a:rPr>
+              <a:t>目的：</a:t>
+            </a:r>
+            <a:endParaRPr lang="en-US" altLang="zh-TW" sz="2000" dirty="0">
+              <a:latin typeface="Microsoft JhengHei UI" panose="020B0604030504040204" pitchFamily="34" charset="-120"/>
+              <a:ea typeface="Microsoft JhengHei UI" panose="020B0604030504040204" pitchFamily="34" charset="-120"/>
+            </a:endParaRPr>
+          </a:p>
+          <a:p>
+            <a:pPr lvl="1"/>
+            <a:r>
+              <a:rPr lang="zh-TW" altLang="en-US" sz="2000" dirty="0">
+                <a:latin typeface="Microsoft JhengHei UI" panose="020B0604030504040204" pitchFamily="34" charset="-120"/>
+                <a:ea typeface="Microsoft JhengHei UI" panose="020B0604030504040204" pitchFamily="34" charset="-120"/>
+              </a:rPr>
+              <a:t>根據對方的攻擊路徑的</a:t>
+            </a:r>
+            <a:r>
+              <a:rPr lang="en-US" altLang="zh-TW" sz="2000" dirty="0">
+                <a:latin typeface="Microsoft JhengHei UI" panose="020B0604030504040204" pitchFamily="34" charset="-120"/>
+                <a:ea typeface="Microsoft JhengHei UI" panose="020B0604030504040204" pitchFamily="34" charset="-120"/>
+              </a:rPr>
+              <a:t>Data </a:t>
+            </a:r>
+            <a:r>
+              <a:rPr lang="zh-TW" altLang="en-US" sz="2000" dirty="0">
+                <a:latin typeface="Microsoft JhengHei UI" panose="020B0604030504040204" pitchFamily="34" charset="-120"/>
+                <a:ea typeface="Microsoft JhengHei UI" panose="020B0604030504040204" pitchFamily="34" charset="-120"/>
+              </a:rPr>
+              <a:t>做出加倍奉還的回擊位置</a:t>
+            </a:r>
+            <a:endParaRPr lang="en-US" altLang="zh-TW" sz="2000" dirty="0">
+              <a:latin typeface="Microsoft JhengHei UI" panose="020B0604030504040204" pitchFamily="34" charset="-120"/>
+              <a:ea typeface="Microsoft JhengHei UI" panose="020B0604030504040204" pitchFamily="34" charset="-120"/>
+            </a:endParaRPr>
+          </a:p>
+          <a:p>
+            <a:pPr marL="0" indent="0">
+              <a:buNone/>
+            </a:pPr>
+            <a:endParaRPr lang="en-US" altLang="zh-TW" sz="2000" dirty="0">
+              <a:latin typeface="Microsoft JhengHei UI" panose="020B0604030504040204" pitchFamily="34" charset="-120"/>
+              <a:ea typeface="Microsoft JhengHei UI" panose="020B0604030504040204" pitchFamily="34" charset="-120"/>
+            </a:endParaRPr>
+          </a:p>
+          <a:p>
+            <a:pPr marL="0" indent="0">
+              <a:buNone/>
+            </a:pPr>
+            <a:r>
+              <a:rPr lang="zh-TW" altLang="en-US" sz="2000" dirty="0">
+                <a:latin typeface="Microsoft JhengHei UI" panose="020B0604030504040204" pitchFamily="34" charset="-120"/>
+                <a:ea typeface="Microsoft JhengHei UI" panose="020B0604030504040204" pitchFamily="34" charset="-120"/>
+              </a:rPr>
+              <a:t>功能：</a:t>
+            </a:r>
+            <a:endParaRPr lang="en-US" altLang="zh-TW" sz="2000" dirty="0">
+              <a:latin typeface="Microsoft JhengHei UI" panose="020B0604030504040204" pitchFamily="34" charset="-120"/>
+              <a:ea typeface="Microsoft JhengHei UI" panose="020B0604030504040204" pitchFamily="34" charset="-120"/>
+            </a:endParaRPr>
+          </a:p>
+          <a:p>
+            <a:pPr lvl="1"/>
+            <a:r>
+              <a:rPr lang="zh-TW" altLang="en-US" sz="2000" dirty="0">
+                <a:latin typeface="Microsoft JhengHei UI" panose="020B0604030504040204" pitchFamily="34" charset="-120"/>
+                <a:ea typeface="Microsoft JhengHei UI" panose="020B0604030504040204" pitchFamily="34" charset="-120"/>
+              </a:rPr>
+              <a:t>透過機器學習達到可以自動打乒乓球</a:t>
+            </a:r>
+            <a:endParaRPr lang="en-US" altLang="zh-TW" sz="2000" dirty="0">
+              <a:latin typeface="Microsoft JhengHei UI" panose="020B0604030504040204" pitchFamily="34" charset="-120"/>
+              <a:ea typeface="Microsoft JhengHei UI" panose="020B0604030504040204" pitchFamily="34" charset="-120"/>
+            </a:endParaRPr>
+          </a:p>
+          <a:p>
+            <a:endParaRPr lang="en-US" altLang="zh-TW" sz="2000" dirty="0">
+              <a:latin typeface="Microsoft JhengHei UI" panose="020B0604030504040204" pitchFamily="34" charset="-120"/>
+              <a:ea typeface="Microsoft JhengHei UI" panose="020B0604030504040204" pitchFamily="34" charset="-120"/>
+            </a:endParaRPr>
+          </a:p>
+          <a:p>
+            <a:pPr lvl="1"/>
+            <a:r>
+              <a:rPr lang="zh-TW" altLang="en-US" sz="2000" dirty="0">
+                <a:latin typeface="Microsoft JhengHei UI" panose="020B0604030504040204" pitchFamily="34" charset="-120"/>
+                <a:ea typeface="Microsoft JhengHei UI" panose="020B0604030504040204" pitchFamily="34" charset="-120"/>
+              </a:rPr>
+              <a:t>在對打時可以擊中球</a:t>
+            </a:r>
+            <a:endParaRPr lang="en-US" altLang="zh-TW" sz="2000" dirty="0">
+              <a:latin typeface="Microsoft JhengHei UI" panose="020B0604030504040204" pitchFamily="34" charset="-120"/>
+              <a:ea typeface="Microsoft JhengHei UI" panose="020B0604030504040204" pitchFamily="34" charset="-120"/>
+            </a:endParaRPr>
+          </a:p>
+          <a:p>
+            <a:pPr marL="0" indent="0">
+              <a:buNone/>
+            </a:pPr>
             <a:endParaRPr lang="en-US" altLang="zh-TW" sz="2800" dirty="0">
               <a:latin typeface="Microsoft JhengHei UI" panose="020B0604030504040204" pitchFamily="34" charset="-120"/>
               <a:ea typeface="Microsoft JhengHei UI" panose="020B0604030504040204" pitchFamily="34" charset="-120"/>
             </a:endParaRPr>
           </a:p>
-          <a:p>
-            <a:pPr marL="0" indent="0">
-              <a:buNone/>
-            </a:pPr>
-            <a:r>
-              <a:rPr lang="zh-TW" altLang="en-US" sz="2800" dirty="0">
-                <a:latin typeface="Microsoft JhengHei UI" panose="020B0604030504040204" pitchFamily="34" charset="-120"/>
-                <a:ea typeface="Microsoft JhengHei UI" panose="020B0604030504040204" pitchFamily="34" charset="-120"/>
-              </a:rPr>
-              <a:t>根據對方的攻擊路徑的</a:t>
-            </a:r>
-            <a:r>
-              <a:rPr lang="en-US" altLang="zh-TW" sz="2800" dirty="0">
-                <a:latin typeface="Microsoft JhengHei UI" panose="020B0604030504040204" pitchFamily="34" charset="-120"/>
-                <a:ea typeface="Microsoft JhengHei UI" panose="020B0604030504040204" pitchFamily="34" charset="-120"/>
-              </a:rPr>
-              <a:t>Data </a:t>
-            </a:r>
-            <a:r>
-              <a:rPr lang="zh-TW" altLang="en-US" sz="2800" dirty="0">
-                <a:latin typeface="Microsoft JhengHei UI" panose="020B0604030504040204" pitchFamily="34" charset="-120"/>
-                <a:ea typeface="Microsoft JhengHei UI" panose="020B0604030504040204" pitchFamily="34" charset="-120"/>
-              </a:rPr>
-              <a:t>做出加倍奉還的回擊位置</a:t>
-            </a:r>
-            <a:endParaRPr lang="en-US" altLang="zh-TW" sz="2800" dirty="0">
-              <a:latin typeface="Microsoft JhengHei UI" panose="020B0604030504040204" pitchFamily="34" charset="-120"/>
-              <a:ea typeface="Microsoft JhengHei UI" panose="020B0604030504040204" pitchFamily="34" charset="-120"/>
-            </a:endParaRPr>
-          </a:p>
         </p:txBody>
       </p:sp>
       <p:sp>
@@ -4900,20 +4887,6 @@
                 <a:ea typeface="Microsoft JhengHei UI" panose="020B0604030504040204" pitchFamily="34" charset="-120"/>
               </a:rPr>
               <a:t>需求 </a:t>
-            </a:r>
-            <a:r>
-              <a:rPr lang="en-US" altLang="zh-TW" b="0" dirty="0">
-                <a:latin typeface="Microsoft JhengHei UI" panose="020B0604030504040204" pitchFamily="34" charset="-120"/>
-                <a:ea typeface="Microsoft JhengHei UI" panose="020B0604030504040204" pitchFamily="34" charset="-120"/>
-              </a:rPr>
-              <a:t>–</a:t>
-            </a:r>
-            <a:r>
-              <a:rPr lang="zh-TW" altLang="en-US" b="0" dirty="0">
-                <a:latin typeface="Microsoft JhengHei UI" panose="020B0604030504040204" pitchFamily="34" charset="-120"/>
-                <a:ea typeface="Microsoft JhengHei UI" panose="020B0604030504040204" pitchFamily="34" charset="-120"/>
-              </a:rPr>
-              <a:t> 目的</a:t>
             </a:r>
           </a:p>
         </p:txBody>
@@ -4960,48 +4933,329 @@
         </p:nvSpPr>
         <p:spPr/>
         <p:txBody>
-          <a:bodyPr>
-            <a:normAutofit/>
-          </a:bodyPr>
-          <a:lstStyle/>
-          <a:p>
-            <a:r>
-              <a:rPr lang="zh-TW" altLang="en-US" sz="2400" dirty="0">
-                <a:latin typeface="Microsoft JhengHei UI" panose="020B0604030504040204" pitchFamily="34" charset="-120"/>
-                <a:ea typeface="Microsoft JhengHei UI" panose="020B0604030504040204" pitchFamily="34" charset="-120"/>
-              </a:rPr>
-              <a:t>透過機器學習達到可以自動打乒乓球</a:t>
-            </a:r>
-            <a:endParaRPr lang="en-US" altLang="zh-TW" sz="2400" dirty="0">
+          <a:bodyPr/>
+          <a:lstStyle/>
+          <a:p>
+            <a:pPr>
+              <a:lnSpc>
+                <a:spcPct val="100000"/>
+              </a:lnSpc>
+            </a:pPr>
+            <a:r>
+              <a:rPr lang="zh-TW" altLang="en-US" sz="1800" dirty="0">
+                <a:latin typeface="Microsoft JhengHei UI" panose="020B0604030504040204" pitchFamily="34" charset="-120"/>
+                <a:ea typeface="Microsoft JhengHei UI" panose="020B0604030504040204" pitchFamily="34" charset="-120"/>
+              </a:rPr>
+              <a:t>輸入：</a:t>
+            </a:r>
+            <a:endParaRPr lang="en-US" altLang="zh-TW" sz="1800" dirty="0">
               <a:latin typeface="Microsoft JhengHei UI" panose="020B0604030504040204" pitchFamily="34" charset="-120"/>
               <a:ea typeface="Microsoft JhengHei UI" panose="020B0604030504040204" pitchFamily="34" charset="-120"/>
             </a:endParaRPr>
           </a:p>
           <a:p>
-            <a:endParaRPr lang="en-US" altLang="zh-TW" sz="2400" dirty="0">
+            <a:pPr lvl="1">
+              <a:lnSpc>
+                <a:spcPct val="100000"/>
+              </a:lnSpc>
+            </a:pPr>
+            <a:r>
+              <a:rPr lang="zh-TW" altLang="en-US" dirty="0">
+                <a:latin typeface="Microsoft JhengHei UI" panose="020B0604030504040204" pitchFamily="34" charset="-120"/>
+                <a:ea typeface="Microsoft JhengHei UI" panose="020B0604030504040204" pitchFamily="34" charset="-120"/>
+              </a:rPr>
+              <a:t>模式：</a:t>
+            </a:r>
+            <a:endParaRPr lang="en-US" altLang="zh-TW" dirty="0">
               <a:latin typeface="Microsoft JhengHei UI" panose="020B0604030504040204" pitchFamily="34" charset="-120"/>
               <a:ea typeface="Microsoft JhengHei UI" panose="020B0604030504040204" pitchFamily="34" charset="-120"/>
             </a:endParaRPr>
           </a:p>
           <a:p>
-            <a:r>
-              <a:rPr lang="zh-TW" altLang="en-US" sz="2400" dirty="0">
-                <a:latin typeface="Microsoft JhengHei UI" panose="020B0604030504040204" pitchFamily="34" charset="-120"/>
-                <a:ea typeface="Microsoft JhengHei UI" panose="020B0604030504040204" pitchFamily="34" charset="-120"/>
-              </a:rPr>
-              <a:t>在對打時可以擊中球</a:t>
-            </a:r>
-            <a:endParaRPr lang="en-US" altLang="zh-TW" sz="2400" dirty="0">
+            <a:pPr marL="1257300" lvl="2" indent="-342900">
+              <a:lnSpc>
+                <a:spcPct val="100000"/>
+              </a:lnSpc>
+              <a:buFont typeface="+mj-lt"/>
+              <a:buAutoNum type="arabicPeriod"/>
+            </a:pPr>
+            <a:r>
+              <a:rPr lang="zh-TW" altLang="en-US" dirty="0">
+                <a:latin typeface="Microsoft JhengHei UI" panose="020B0604030504040204" pitchFamily="34" charset="-120"/>
+                <a:ea typeface="Microsoft JhengHei UI" panose="020B0604030504040204" pitchFamily="34" charset="-120"/>
+              </a:rPr>
+              <a:t>手動模式</a:t>
+            </a:r>
+            <a:endParaRPr lang="en-US" altLang="zh-TW" dirty="0">
               <a:latin typeface="Microsoft JhengHei UI" panose="020B0604030504040204" pitchFamily="34" charset="-120"/>
               <a:ea typeface="Microsoft JhengHei UI" panose="020B0604030504040204" pitchFamily="34" charset="-120"/>
             </a:endParaRPr>
           </a:p>
           <a:p>
-            <a:endParaRPr lang="en-US" altLang="zh-TW" sz="2400" dirty="0">
+            <a:pPr marL="1257300" lvl="2" indent="-342900">
+              <a:lnSpc>
+                <a:spcPct val="100000"/>
+              </a:lnSpc>
+              <a:buFont typeface="+mj-lt"/>
+              <a:buAutoNum type="arabicPeriod"/>
+            </a:pPr>
+            <a:r>
+              <a:rPr lang="en-US" altLang="zh-TW" dirty="0">
+                <a:latin typeface="Microsoft JhengHei UI" panose="020B0604030504040204" pitchFamily="34" charset="-120"/>
+                <a:ea typeface="Microsoft JhengHei UI" panose="020B0604030504040204" pitchFamily="34" charset="-120"/>
+              </a:rPr>
+              <a:t>ML</a:t>
+            </a:r>
+            <a:r>
+              <a:rPr lang="zh-TW" altLang="en-US" dirty="0">
+                <a:latin typeface="Microsoft JhengHei UI" panose="020B0604030504040204" pitchFamily="34" charset="-120"/>
+                <a:ea typeface="Microsoft JhengHei UI" panose="020B0604030504040204" pitchFamily="34" charset="-120"/>
+              </a:rPr>
+              <a:t>模式</a:t>
+            </a:r>
+            <a:endParaRPr lang="en-US" altLang="zh-TW" dirty="0">
               <a:latin typeface="Microsoft JhengHei UI" panose="020B0604030504040204" pitchFamily="34" charset="-120"/>
               <a:ea typeface="Microsoft JhengHei UI" panose="020B0604030504040204" pitchFamily="34" charset="-120"/>
             </a:endParaRPr>
           </a:p>
+          <a:p>
+            <a:pPr marL="1257300" lvl="2" indent="-342900">
+              <a:lnSpc>
+                <a:spcPct val="100000"/>
+              </a:lnSpc>
+              <a:buFont typeface="+mj-lt"/>
+              <a:buAutoNum type="arabicPeriod"/>
+            </a:pPr>
+            <a:endParaRPr lang="en-US" altLang="zh-TW" dirty="0">
+              <a:latin typeface="Microsoft JhengHei UI" panose="020B0604030504040204" pitchFamily="34" charset="-120"/>
+              <a:ea typeface="Microsoft JhengHei UI" panose="020B0604030504040204" pitchFamily="34" charset="-120"/>
+            </a:endParaRPr>
+          </a:p>
+          <a:p>
+            <a:pPr lvl="1">
+              <a:lnSpc>
+                <a:spcPct val="100000"/>
+              </a:lnSpc>
+            </a:pPr>
+            <a:r>
+              <a:rPr lang="zh-TW" altLang="en-US" dirty="0">
+                <a:latin typeface="Microsoft JhengHei UI" panose="020B0604030504040204" pitchFamily="34" charset="-120"/>
+                <a:ea typeface="Microsoft JhengHei UI" panose="020B0604030504040204" pitchFamily="34" charset="-120"/>
+              </a:rPr>
+              <a:t>遊戲風格：</a:t>
+            </a:r>
+            <a:endParaRPr lang="en-US" altLang="zh-TW" dirty="0">
+              <a:latin typeface="Microsoft JhengHei UI" panose="020B0604030504040204" pitchFamily="34" charset="-120"/>
+              <a:ea typeface="Microsoft JhengHei UI" panose="020B0604030504040204" pitchFamily="34" charset="-120"/>
+            </a:endParaRPr>
+          </a:p>
+          <a:p>
+            <a:pPr marL="1257300" lvl="2" indent="-342900">
+              <a:lnSpc>
+                <a:spcPct val="100000"/>
+              </a:lnSpc>
+              <a:buFont typeface="+mj-lt"/>
+              <a:buAutoNum type="arabicPeriod"/>
+            </a:pPr>
+            <a:r>
+              <a:rPr lang="en-US" altLang="zh-TW" dirty="0">
+                <a:latin typeface="Microsoft JhengHei UI" panose="020B0604030504040204" pitchFamily="34" charset="-120"/>
+                <a:ea typeface="Microsoft JhengHei UI" panose="020B0604030504040204" pitchFamily="34" charset="-120"/>
+              </a:rPr>
+              <a:t>EASY</a:t>
+            </a:r>
+            <a:r>
+              <a:rPr lang="zh-TW" altLang="en-US" dirty="0">
+                <a:latin typeface="Microsoft JhengHei UI" panose="020B0604030504040204" pitchFamily="34" charset="-120"/>
+                <a:ea typeface="Microsoft JhengHei UI" panose="020B0604030504040204" pitchFamily="34" charset="-120"/>
+              </a:rPr>
+              <a:t>：簡單的乒乓球遊戲</a:t>
+            </a:r>
+            <a:endParaRPr lang="en-US" altLang="zh-TW" dirty="0">
+              <a:latin typeface="Microsoft JhengHei UI" panose="020B0604030504040204" pitchFamily="34" charset="-120"/>
+              <a:ea typeface="Microsoft JhengHei UI" panose="020B0604030504040204" pitchFamily="34" charset="-120"/>
+            </a:endParaRPr>
+          </a:p>
+          <a:p>
+            <a:pPr marL="1257300" lvl="2" indent="-342900">
+              <a:lnSpc>
+                <a:spcPct val="100000"/>
+              </a:lnSpc>
+              <a:buFont typeface="+mj-lt"/>
+              <a:buAutoNum type="arabicPeriod"/>
+            </a:pPr>
+            <a:r>
+              <a:rPr lang="en-US" altLang="zh-TW" dirty="0">
+                <a:latin typeface="Microsoft JhengHei UI" panose="020B0604030504040204" pitchFamily="34" charset="-120"/>
+                <a:ea typeface="Microsoft JhengHei UI" panose="020B0604030504040204" pitchFamily="34" charset="-120"/>
+              </a:rPr>
+              <a:t>NORMAL</a:t>
+            </a:r>
+            <a:r>
+              <a:rPr lang="zh-TW" altLang="en-US" dirty="0">
+                <a:latin typeface="Microsoft JhengHei UI" panose="020B0604030504040204" pitchFamily="34" charset="-120"/>
+                <a:ea typeface="Microsoft JhengHei UI" panose="020B0604030504040204" pitchFamily="34" charset="-120"/>
+              </a:rPr>
+              <a:t>：增加了切球機構</a:t>
+            </a:r>
+            <a:endParaRPr lang="en-US" altLang="zh-TW" dirty="0">
+              <a:latin typeface="Microsoft JhengHei UI" panose="020B0604030504040204" pitchFamily="34" charset="-120"/>
+              <a:ea typeface="Microsoft JhengHei UI" panose="020B0604030504040204" pitchFamily="34" charset="-120"/>
+            </a:endParaRPr>
+          </a:p>
+          <a:p>
+            <a:pPr marL="1257300" lvl="2" indent="-342900">
+              <a:lnSpc>
+                <a:spcPct val="100000"/>
+              </a:lnSpc>
+              <a:buFont typeface="+mj-lt"/>
+              <a:buAutoNum type="arabicPeriod"/>
+            </a:pPr>
+            <a:r>
+              <a:rPr lang="en-US" altLang="zh-TW" dirty="0">
+                <a:latin typeface="Microsoft JhengHei UI" panose="020B0604030504040204" pitchFamily="34" charset="-120"/>
+                <a:ea typeface="Microsoft JhengHei UI" panose="020B0604030504040204" pitchFamily="34" charset="-120"/>
+              </a:rPr>
+              <a:t>HARD</a:t>
+            </a:r>
+            <a:r>
+              <a:rPr lang="zh-TW" altLang="en-US" dirty="0">
+                <a:latin typeface="Microsoft JhengHei UI" panose="020B0604030504040204" pitchFamily="34" charset="-120"/>
+                <a:ea typeface="Microsoft JhengHei UI" panose="020B0604030504040204" pitchFamily="34" charset="-120"/>
+              </a:rPr>
+              <a:t>：增加了切球和阻滯機構</a:t>
+            </a:r>
+            <a:endParaRPr lang="en-US" altLang="zh-TW" dirty="0">
+              <a:latin typeface="Microsoft JhengHei UI" panose="020B0604030504040204" pitchFamily="34" charset="-120"/>
+              <a:ea typeface="Microsoft JhengHei UI" panose="020B0604030504040204" pitchFamily="34" charset="-120"/>
+            </a:endParaRPr>
+          </a:p>
+          <a:p>
+            <a:pPr marL="1257300" lvl="2" indent="-342900">
+              <a:lnSpc>
+                <a:spcPct val="100000"/>
+              </a:lnSpc>
+              <a:buFont typeface="+mj-lt"/>
+              <a:buAutoNum type="arabicPeriod"/>
+            </a:pPr>
+            <a:endParaRPr lang="en-US" altLang="zh-TW" dirty="0">
+              <a:latin typeface="Microsoft JhengHei UI" panose="020B0604030504040204" pitchFamily="34" charset="-120"/>
+              <a:ea typeface="Microsoft JhengHei UI" panose="020B0604030504040204" pitchFamily="34" charset="-120"/>
+            </a:endParaRPr>
+          </a:p>
+          <a:p>
+            <a:pPr marL="361950" lvl="2" indent="354013">
+              <a:lnSpc>
+                <a:spcPct val="100000"/>
+              </a:lnSpc>
+            </a:pPr>
+            <a:r>
+              <a:rPr lang="zh-TW" altLang="en-US" dirty="0">
+                <a:latin typeface="Microsoft JhengHei UI" panose="020B0604030504040204" pitchFamily="34" charset="-120"/>
+                <a:ea typeface="Microsoft JhengHei UI" panose="020B0604030504040204" pitchFamily="34" charset="-120"/>
+              </a:rPr>
+              <a:t>訓練模型</a:t>
+            </a:r>
+            <a:endParaRPr lang="en-US" altLang="zh-TW" dirty="0">
+              <a:latin typeface="Microsoft JhengHei UI" panose="020B0604030504040204" pitchFamily="34" charset="-120"/>
+              <a:ea typeface="Microsoft JhengHei UI" panose="020B0604030504040204" pitchFamily="34" charset="-120"/>
+            </a:endParaRPr>
+          </a:p>
+          <a:p>
+            <a:pPr marL="819150" lvl="3" indent="-342900">
+              <a:lnSpc>
+                <a:spcPct val="100000"/>
+              </a:lnSpc>
+            </a:pPr>
+            <a:r>
+              <a:rPr lang="en-US" altLang="zh-TW" dirty="0">
+                <a:latin typeface="Microsoft JhengHei UI" panose="020B0604030504040204" pitchFamily="34" charset="-120"/>
+                <a:ea typeface="Microsoft JhengHei UI" panose="020B0604030504040204" pitchFamily="34" charset="-120"/>
+              </a:rPr>
+              <a:t>KNN  SVM </a:t>
+            </a:r>
+            <a:r>
+              <a:rPr lang="zh-TW" altLang="en-US" dirty="0">
+                <a:latin typeface="Microsoft JhengHei UI" panose="020B0604030504040204" pitchFamily="34" charset="-120"/>
+                <a:ea typeface="Microsoft JhengHei UI" panose="020B0604030504040204" pitchFamily="34" charset="-120"/>
+              </a:rPr>
+              <a:t>擇一</a:t>
+            </a:r>
+            <a:endParaRPr lang="en-US" altLang="zh-TW" dirty="0">
+              <a:latin typeface="Microsoft JhengHei UI" panose="020B0604030504040204" pitchFamily="34" charset="-120"/>
+              <a:ea typeface="Microsoft JhengHei UI" panose="020B0604030504040204" pitchFamily="34" charset="-120"/>
+            </a:endParaRPr>
+          </a:p>
+          <a:p>
+            <a:pPr marL="1257300" lvl="2" indent="-342900">
+              <a:lnSpc>
+                <a:spcPct val="100000"/>
+              </a:lnSpc>
+              <a:buFont typeface="+mj-lt"/>
+              <a:buAutoNum type="arabicPeriod"/>
+            </a:pPr>
+            <a:endParaRPr lang="en-US" altLang="zh-TW" dirty="0">
+              <a:latin typeface="Microsoft JhengHei UI" panose="020B0604030504040204" pitchFamily="34" charset="-120"/>
+              <a:ea typeface="Microsoft JhengHei UI" panose="020B0604030504040204" pitchFamily="34" charset="-120"/>
+            </a:endParaRPr>
+          </a:p>
+          <a:p>
+            <a:pPr>
+              <a:lnSpc>
+                <a:spcPct val="100000"/>
+              </a:lnSpc>
+            </a:pPr>
+            <a:r>
+              <a:rPr lang="zh-TW" altLang="en-US" sz="1800" dirty="0">
+                <a:latin typeface="Microsoft JhengHei UI" panose="020B0604030504040204" pitchFamily="34" charset="-120"/>
+                <a:ea typeface="Microsoft JhengHei UI" panose="020B0604030504040204" pitchFamily="34" charset="-120"/>
+              </a:rPr>
+              <a:t>輸出：</a:t>
+            </a:r>
+            <a:endParaRPr lang="en-US" altLang="zh-TW" sz="1800" dirty="0">
+              <a:latin typeface="Microsoft JhengHei UI" panose="020B0604030504040204" pitchFamily="34" charset="-120"/>
+              <a:ea typeface="Microsoft JhengHei UI" panose="020B0604030504040204" pitchFamily="34" charset="-120"/>
+            </a:endParaRPr>
+          </a:p>
+          <a:p>
+            <a:pPr lvl="1">
+              <a:lnSpc>
+                <a:spcPct val="100000"/>
+              </a:lnSpc>
+            </a:pPr>
+            <a:r>
+              <a:rPr lang="en-US" altLang="zh-TW" dirty="0">
+                <a:latin typeface="Microsoft JhengHei UI" panose="020B0604030504040204" pitchFamily="34" charset="-120"/>
+                <a:ea typeface="Microsoft JhengHei UI" panose="020B0604030504040204" pitchFamily="34" charset="-120"/>
+              </a:rPr>
+              <a:t>Log file</a:t>
+            </a:r>
+            <a:r>
+              <a:rPr lang="zh-TW" altLang="en-US" dirty="0">
+                <a:latin typeface="Microsoft JhengHei UI" panose="020B0604030504040204" pitchFamily="34" charset="-120"/>
+                <a:ea typeface="Microsoft JhengHei UI" panose="020B0604030504040204" pitchFamily="34" charset="-120"/>
+              </a:rPr>
+              <a:t> </a:t>
+            </a:r>
+            <a:r>
+              <a:rPr lang="en-US" altLang="zh-TW" dirty="0">
+                <a:latin typeface="Microsoft JhengHei UI" panose="020B0604030504040204" pitchFamily="34" charset="-120"/>
+                <a:ea typeface="Microsoft JhengHei UI" panose="020B0604030504040204" pitchFamily="34" charset="-120"/>
+              </a:rPr>
+              <a:t>–</a:t>
+            </a:r>
+            <a:r>
+              <a:rPr lang="zh-TW" altLang="en-US" dirty="0">
+                <a:latin typeface="Microsoft JhengHei UI" panose="020B0604030504040204" pitchFamily="34" charset="-120"/>
+                <a:ea typeface="Microsoft JhengHei UI" panose="020B0604030504040204" pitchFamily="34" charset="-120"/>
+              </a:rPr>
+              <a:t>訓練模型樣本</a:t>
+            </a:r>
+            <a:endParaRPr lang="en-US" altLang="zh-TW" dirty="0">
+              <a:latin typeface="Microsoft JhengHei UI" panose="020B0604030504040204" pitchFamily="34" charset="-120"/>
+              <a:ea typeface="Microsoft JhengHei UI" panose="020B0604030504040204" pitchFamily="34" charset="-120"/>
+            </a:endParaRPr>
+          </a:p>
         </p:txBody>
       </p:sp>
       <p:sp>
@@ -5014,11 +5268,14 @@
             <p:ph type="title"/>
           </p:nvPr>
         </p:nvSpPr>
-        <p:spPr/>
-        <p:txBody>
-          <a:bodyPr>
-            <a:normAutofit/>
-          </a:bodyPr>
+        <p:spPr>
+          <a:xfrm>
+            <a:off x="838200" y="365125"/>
+            <a:ext cx="10515600" cy="720000"/>
+          </a:xfrm>
+        </p:spPr>
+        <p:txBody>
+          <a:bodyPr/>
           <a:lstStyle/>
           <a:p>
             <a:r>
@@ -5027,20 +5284,6 @@
                 <a:ea typeface="Microsoft JhengHei UI" panose="020B0604030504040204" pitchFamily="34" charset="-120"/>
               </a:rPr>
               <a:t>需求 </a:t>
-            </a:r>
-            <a:r>
-              <a:rPr lang="en-US" altLang="zh-TW" b="0" dirty="0">
-                <a:latin typeface="Microsoft JhengHei UI" panose="020B0604030504040204" pitchFamily="34" charset="-120"/>
-                <a:ea typeface="Microsoft JhengHei UI" panose="020B0604030504040204" pitchFamily="34" charset="-120"/>
-              </a:rPr>
-              <a:t>–</a:t>
-            </a:r>
-            <a:r>
-              <a:rPr lang="zh-TW" altLang="en-US" b="0" dirty="0">
-                <a:latin typeface="Microsoft JhengHei UI" panose="020B0604030504040204" pitchFamily="34" charset="-120"/>
-                <a:ea typeface="Microsoft JhengHei UI" panose="020B0604030504040204" pitchFamily="34" charset="-120"/>
-              </a:rPr>
-              <a:t> 功能</a:t>
             </a:r>
           </a:p>
         </p:txBody>
@@ -5048,7 +5291,7 @@
     </p:spTree>
     <p:extLst>
       <p:ext uri="{BB962C8B-B14F-4D97-AF65-F5344CB8AC3E}">
-        <p14:creationId xmlns:p14="http://schemas.microsoft.com/office/powerpoint/2010/main" val="2555002868"/>
+        <p14:creationId xmlns:p14="http://schemas.microsoft.com/office/powerpoint/2010/main" val="3238237958"/>
       </p:ext>
     </p:extLst>
   </p:cSld>
@@ -5087,22 +5330,24 @@
         </p:nvSpPr>
         <p:spPr/>
         <p:txBody>
-          <a:bodyPr/>
+          <a:bodyPr numCol="1">
+            <a:normAutofit/>
+          </a:bodyPr>
           <a:lstStyle/>
           <a:p>
             <a:pPr>
               <a:lnSpc>
-                <a:spcPct val="100000"/>
+                <a:spcPct val="150000"/>
               </a:lnSpc>
             </a:pPr>
             <a:r>
-              <a:rPr lang="zh-TW" altLang="en-US" sz="1800" dirty="0">
-                <a:latin typeface="Microsoft JhengHei UI" panose="020B0604030504040204" pitchFamily="34" charset="-120"/>
-                <a:ea typeface="Microsoft JhengHei UI" panose="020B0604030504040204" pitchFamily="34" charset="-120"/>
-              </a:rPr>
-              <a:t>輸入：</a:t>
-            </a:r>
-            <a:endParaRPr lang="en-US" altLang="zh-TW" sz="1800" dirty="0">
+              <a:rPr lang="zh-TW" altLang="en-US" sz="2800" dirty="0">
+                <a:latin typeface="Microsoft JhengHei UI" panose="020B0604030504040204" pitchFamily="34" charset="-120"/>
+                <a:ea typeface="Microsoft JhengHei UI" panose="020B0604030504040204" pitchFamily="34" charset="-120"/>
+              </a:rPr>
+              <a:t>硬體：</a:t>
+            </a:r>
+            <a:endParaRPr lang="en-US" altLang="zh-TW" sz="2800" dirty="0">
               <a:latin typeface="Microsoft JhengHei UI" panose="020B0604030504040204" pitchFamily="34" charset="-120"/>
               <a:ea typeface="Microsoft JhengHei UI" panose="020B0604030504040204" pitchFamily="34" charset="-120"/>
             </a:endParaRPr>
@@ -5110,348 +5355,154 @@
           <a:p>
             <a:pPr lvl="1">
               <a:lnSpc>
-                <a:spcPct val="100000"/>
+                <a:spcPct val="150000"/>
               </a:lnSpc>
             </a:pPr>
             <a:r>
-              <a:rPr lang="zh-TW" altLang="en-US" dirty="0">
-                <a:latin typeface="Microsoft JhengHei UI" panose="020B0604030504040204" pitchFamily="34" charset="-120"/>
-                <a:ea typeface="Microsoft JhengHei UI" panose="020B0604030504040204" pitchFamily="34" charset="-120"/>
-              </a:rPr>
-              <a:t>模式：</a:t>
-            </a:r>
-            <a:endParaRPr lang="en-US" altLang="zh-TW" dirty="0">
+              <a:rPr lang="en-US" altLang="zh-TW" sz="2000" dirty="0" err="1">
+                <a:latin typeface="Microsoft JhengHei UI" panose="020B0604030504040204" pitchFamily="34" charset="-120"/>
+                <a:ea typeface="Microsoft JhengHei UI" panose="020B0604030504040204" pitchFamily="34" charset="-120"/>
+              </a:rPr>
+              <a:t>Macbook</a:t>
+            </a:r>
+            <a:r>
+              <a:rPr lang="en-US" altLang="zh-TW" sz="2000" dirty="0">
+                <a:latin typeface="Microsoft JhengHei UI" panose="020B0604030504040204" pitchFamily="34" charset="-120"/>
+                <a:ea typeface="Microsoft JhengHei UI" panose="020B0604030504040204" pitchFamily="34" charset="-120"/>
+              </a:rPr>
+              <a:t> pro 13 </a:t>
+            </a:r>
+          </a:p>
+          <a:p>
+            <a:pPr lvl="1">
+              <a:lnSpc>
+                <a:spcPct val="150000"/>
+              </a:lnSpc>
+            </a:pPr>
+            <a:r>
+              <a:rPr lang="en-US" altLang="zh-TW" sz="2000" dirty="0">
+                <a:latin typeface="Microsoft JhengHei UI" panose="020B0604030504040204" pitchFamily="34" charset="-120"/>
+                <a:ea typeface="Microsoft JhengHei UI" panose="020B0604030504040204" pitchFamily="34" charset="-120"/>
+              </a:rPr>
+              <a:t>i5 2.5GHz 16GB 512GB</a:t>
+            </a:r>
+          </a:p>
+          <a:p>
+            <a:pPr>
+              <a:lnSpc>
+                <a:spcPct val="150000"/>
+              </a:lnSpc>
+            </a:pPr>
+            <a:r>
+              <a:rPr lang="zh-TW" altLang="en-US" sz="2800" dirty="0">
+                <a:latin typeface="Microsoft JhengHei UI" panose="020B0604030504040204" pitchFamily="34" charset="-120"/>
+                <a:ea typeface="Microsoft JhengHei UI" panose="020B0604030504040204" pitchFamily="34" charset="-120"/>
+              </a:rPr>
+              <a:t>軟體：</a:t>
+            </a:r>
+            <a:endParaRPr lang="en-US" altLang="zh-TW" sz="2800" dirty="0">
               <a:latin typeface="Microsoft JhengHei UI" panose="020B0604030504040204" pitchFamily="34" charset="-120"/>
               <a:ea typeface="Microsoft JhengHei UI" panose="020B0604030504040204" pitchFamily="34" charset="-120"/>
             </a:endParaRPr>
           </a:p>
           <a:p>
-            <a:pPr marL="1257300" lvl="2" indent="-342900">
+            <a:pPr lvl="1">
               <a:lnSpc>
-                <a:spcPct val="100000"/>
+                <a:spcPct val="150000"/>
               </a:lnSpc>
-              <a:buFont typeface="+mj-lt"/>
-              <a:buAutoNum type="arabicPeriod"/>
             </a:pPr>
             <a:r>
-              <a:rPr lang="zh-TW" altLang="en-US" dirty="0">
-                <a:latin typeface="Microsoft JhengHei UI" panose="020B0604030504040204" pitchFamily="34" charset="-120"/>
-                <a:ea typeface="Microsoft JhengHei UI" panose="020B0604030504040204" pitchFamily="34" charset="-120"/>
-              </a:rPr>
-              <a:t>手動模式</a:t>
-            </a:r>
-            <a:endParaRPr lang="en-US" altLang="zh-TW" dirty="0">
+              <a:rPr lang="en-US" altLang="zh-TW" sz="2000" dirty="0" err="1">
+                <a:latin typeface="Microsoft JhengHei UI" panose="020B0604030504040204" pitchFamily="34" charset="-120"/>
+                <a:ea typeface="Microsoft JhengHei UI" panose="020B0604030504040204" pitchFamily="34" charset="-120"/>
+              </a:rPr>
+              <a:t>VScode</a:t>
+            </a:r>
+            <a:endParaRPr lang="en-US" altLang="zh-TW" sz="2000" dirty="0">
               <a:latin typeface="Microsoft JhengHei UI" panose="020B0604030504040204" pitchFamily="34" charset="-120"/>
               <a:ea typeface="Microsoft JhengHei UI" panose="020B0604030504040204" pitchFamily="34" charset="-120"/>
             </a:endParaRPr>
           </a:p>
           <a:p>
-            <a:pPr marL="1257300" lvl="2" indent="-342900">
+            <a:pPr lvl="1">
               <a:lnSpc>
-                <a:spcPct val="100000"/>
+                <a:spcPct val="150000"/>
               </a:lnSpc>
-              <a:buFont typeface="+mj-lt"/>
-              <a:buAutoNum type="arabicPeriod"/>
             </a:pPr>
             <a:r>
-              <a:rPr lang="en-US" altLang="zh-TW" dirty="0">
-                <a:latin typeface="Microsoft JhengHei UI" panose="020B0604030504040204" pitchFamily="34" charset="-120"/>
-                <a:ea typeface="Microsoft JhengHei UI" panose="020B0604030504040204" pitchFamily="34" charset="-120"/>
-              </a:rPr>
-              <a:t>ML</a:t>
-            </a:r>
-            <a:r>
-              <a:rPr lang="zh-TW" altLang="en-US" dirty="0">
-                <a:latin typeface="Microsoft JhengHei UI" panose="020B0604030504040204" pitchFamily="34" charset="-120"/>
-                <a:ea typeface="Microsoft JhengHei UI" panose="020B0604030504040204" pitchFamily="34" charset="-120"/>
-              </a:rPr>
-              <a:t>模式</a:t>
-            </a:r>
-            <a:endParaRPr lang="en-US" altLang="zh-TW" dirty="0">
+              <a:rPr lang="en-US" altLang="zh-TW" sz="2000" dirty="0">
+                <a:latin typeface="Microsoft JhengHei UI" panose="020B0604030504040204" pitchFamily="34" charset="-120"/>
+                <a:ea typeface="Microsoft JhengHei UI" panose="020B0604030504040204" pitchFamily="34" charset="-120"/>
+              </a:rPr>
+              <a:t>Python3.7</a:t>
+            </a:r>
+          </a:p>
+          <a:p>
+            <a:pPr lvl="1">
+              <a:lnSpc>
+                <a:spcPct val="150000"/>
+              </a:lnSpc>
+            </a:pPr>
+            <a:r>
+              <a:rPr lang="en-US" altLang="zh-TW" sz="2000" dirty="0" err="1">
+                <a:latin typeface="Microsoft JhengHei UI" panose="020B0604030504040204" pitchFamily="34" charset="-120"/>
+                <a:ea typeface="Microsoft JhengHei UI" panose="020B0604030504040204" pitchFamily="34" charset="-120"/>
+              </a:rPr>
+              <a:t>MLGame</a:t>
+            </a:r>
+            <a:endParaRPr lang="en-US" altLang="zh-TW" sz="2000" dirty="0">
               <a:latin typeface="Microsoft JhengHei UI" panose="020B0604030504040204" pitchFamily="34" charset="-120"/>
               <a:ea typeface="Microsoft JhengHei UI" panose="020B0604030504040204" pitchFamily="34" charset="-120"/>
             </a:endParaRPr>
           </a:p>
           <a:p>
-            <a:pPr marL="1257300" lvl="2" indent="-342900">
+            <a:pPr lvl="1">
               <a:lnSpc>
-                <a:spcPct val="100000"/>
+                <a:spcPct val="150000"/>
               </a:lnSpc>
-              <a:buFont typeface="+mj-lt"/>
-              <a:buAutoNum type="arabicPeriod"/>
             </a:pPr>
-            <a:endParaRPr lang="en-US" altLang="zh-TW" dirty="0">
+            <a:endParaRPr lang="en-US" altLang="zh-TW" sz="2000" dirty="0">
               <a:latin typeface="Microsoft JhengHei UI" panose="020B0604030504040204" pitchFamily="34" charset="-120"/>
               <a:ea typeface="Microsoft JhengHei UI" panose="020B0604030504040204" pitchFamily="34" charset="-120"/>
             </a:endParaRPr>
           </a:p>
-          <a:p>
-            <a:pPr lvl="1">
-              <a:lnSpc>
-                <a:spcPct val="100000"/>
-              </a:lnSpc>
-            </a:pPr>
-            <a:r>
-              <a:rPr lang="zh-TW" altLang="en-US" dirty="0">
-                <a:latin typeface="Microsoft JhengHei UI" panose="020B0604030504040204" pitchFamily="34" charset="-120"/>
-                <a:ea typeface="Microsoft JhengHei UI" panose="020B0604030504040204" pitchFamily="34" charset="-120"/>
-              </a:rPr>
-              <a:t>遊戲風格：</a:t>
-            </a:r>
-            <a:endParaRPr lang="en-US" altLang="zh-TW" dirty="0">
-              <a:latin typeface="Microsoft JhengHei UI" panose="020B0604030504040204" pitchFamily="34" charset="-120"/>
-              <a:ea typeface="Microsoft JhengHei UI" panose="020B0604030504040204" pitchFamily="34" charset="-120"/>
-            </a:endParaRPr>
-          </a:p>
-          <a:p>
-            <a:pPr marL="1257300" lvl="2" indent="-342900">
-              <a:lnSpc>
-                <a:spcPct val="100000"/>
-              </a:lnSpc>
-              <a:buFont typeface="+mj-lt"/>
-              <a:buAutoNum type="arabicPeriod"/>
-            </a:pPr>
-            <a:r>
-              <a:rPr lang="en-US" altLang="zh-TW" dirty="0">
-                <a:latin typeface="Microsoft JhengHei UI" panose="020B0604030504040204" pitchFamily="34" charset="-120"/>
-                <a:ea typeface="Microsoft JhengHei UI" panose="020B0604030504040204" pitchFamily="34" charset="-120"/>
-              </a:rPr>
-              <a:t>EASY</a:t>
-            </a:r>
-            <a:r>
-              <a:rPr lang="zh-TW" altLang="en-US" dirty="0">
-                <a:latin typeface="Microsoft JhengHei UI" panose="020B0604030504040204" pitchFamily="34" charset="-120"/>
-                <a:ea typeface="Microsoft JhengHei UI" panose="020B0604030504040204" pitchFamily="34" charset="-120"/>
-              </a:rPr>
-              <a:t>：簡單的乒乓球遊戲</a:t>
-            </a:r>
-            <a:endParaRPr lang="en-US" altLang="zh-TW" dirty="0">
-              <a:latin typeface="Microsoft JhengHei UI" panose="020B0604030504040204" pitchFamily="34" charset="-120"/>
-              <a:ea typeface="Microsoft JhengHei UI" panose="020B0604030504040204" pitchFamily="34" charset="-120"/>
-            </a:endParaRPr>
-          </a:p>
-          <a:p>
-            <a:pPr marL="1257300" lvl="2" indent="-342900">
-              <a:lnSpc>
-                <a:spcPct val="100000"/>
-              </a:lnSpc>
-              <a:buFont typeface="+mj-lt"/>
-              <a:buAutoNum type="arabicPeriod"/>
-            </a:pPr>
-            <a:r>
-              <a:rPr lang="en-US" altLang="zh-TW" dirty="0">
-                <a:latin typeface="Microsoft JhengHei UI" panose="020B0604030504040204" pitchFamily="34" charset="-120"/>
-                <a:ea typeface="Microsoft JhengHei UI" panose="020B0604030504040204" pitchFamily="34" charset="-120"/>
-              </a:rPr>
-              <a:t>NORMAL</a:t>
-            </a:r>
-            <a:r>
-              <a:rPr lang="zh-TW" altLang="en-US" dirty="0">
-                <a:latin typeface="Microsoft JhengHei UI" panose="020B0604030504040204" pitchFamily="34" charset="-120"/>
-                <a:ea typeface="Microsoft JhengHei UI" panose="020B0604030504040204" pitchFamily="34" charset="-120"/>
-              </a:rPr>
-              <a:t>：增加了切球機構</a:t>
-            </a:r>
-            <a:endParaRPr lang="en-US" altLang="zh-TW" dirty="0">
-              <a:latin typeface="Microsoft JhengHei UI" panose="020B0604030504040204" pitchFamily="34" charset="-120"/>
-              <a:ea typeface="Microsoft JhengHei UI" panose="020B0604030504040204" pitchFamily="34" charset="-120"/>
-            </a:endParaRPr>
-          </a:p>
-          <a:p>
-            <a:pPr marL="1257300" lvl="2" indent="-342900">
-              <a:lnSpc>
-                <a:spcPct val="100000"/>
-              </a:lnSpc>
-              <a:buFont typeface="+mj-lt"/>
-              <a:buAutoNum type="arabicPeriod"/>
-            </a:pPr>
-            <a:r>
-              <a:rPr lang="en-US" altLang="zh-TW" dirty="0">
-                <a:latin typeface="Microsoft JhengHei UI" panose="020B0604030504040204" pitchFamily="34" charset="-120"/>
-                <a:ea typeface="Microsoft JhengHei UI" panose="020B0604030504040204" pitchFamily="34" charset="-120"/>
-              </a:rPr>
-              <a:t>HARD</a:t>
-            </a:r>
-            <a:r>
-              <a:rPr lang="zh-TW" altLang="en-US" dirty="0">
-                <a:latin typeface="Microsoft JhengHei UI" panose="020B0604030504040204" pitchFamily="34" charset="-120"/>
-                <a:ea typeface="Microsoft JhengHei UI" panose="020B0604030504040204" pitchFamily="34" charset="-120"/>
-              </a:rPr>
-              <a:t>：增加了切球和阻滯機構</a:t>
-            </a:r>
-            <a:endParaRPr lang="en-US" altLang="zh-TW" dirty="0">
-              <a:latin typeface="Microsoft JhengHei UI" panose="020B0604030504040204" pitchFamily="34" charset="-120"/>
-              <a:ea typeface="Microsoft JhengHei UI" panose="020B0604030504040204" pitchFamily="34" charset="-120"/>
-            </a:endParaRPr>
-          </a:p>
-          <a:p>
-            <a:pPr marL="1257300" lvl="2" indent="-342900">
-              <a:lnSpc>
-                <a:spcPct val="100000"/>
-              </a:lnSpc>
-              <a:buFont typeface="+mj-lt"/>
-              <a:buAutoNum type="arabicPeriod"/>
-            </a:pPr>
-            <a:endParaRPr lang="en-US" altLang="zh-TW" dirty="0">
-              <a:latin typeface="Microsoft JhengHei UI" panose="020B0604030504040204" pitchFamily="34" charset="-120"/>
-              <a:ea typeface="Microsoft JhengHei UI" panose="020B0604030504040204" pitchFamily="34" charset="-120"/>
-            </a:endParaRPr>
-          </a:p>
-          <a:p>
-            <a:pPr marL="361950" lvl="2" indent="354013">
-              <a:lnSpc>
-                <a:spcPct val="100000"/>
-              </a:lnSpc>
-            </a:pPr>
-            <a:r>
-              <a:rPr lang="zh-TW" altLang="en-US" dirty="0">
-                <a:latin typeface="Microsoft JhengHei UI" panose="020B0604030504040204" pitchFamily="34" charset="-120"/>
-                <a:ea typeface="Microsoft JhengHei UI" panose="020B0604030504040204" pitchFamily="34" charset="-120"/>
-              </a:rPr>
-              <a:t>訓練模型</a:t>
-            </a:r>
-            <a:endParaRPr lang="en-US" altLang="zh-TW" dirty="0">
-              <a:latin typeface="Microsoft JhengHei UI" panose="020B0604030504040204" pitchFamily="34" charset="-120"/>
-              <a:ea typeface="Microsoft JhengHei UI" panose="020B0604030504040204" pitchFamily="34" charset="-120"/>
-            </a:endParaRPr>
-          </a:p>
-          <a:p>
-            <a:pPr marL="819150" lvl="3" indent="-342900">
-              <a:lnSpc>
-                <a:spcPct val="100000"/>
-              </a:lnSpc>
-            </a:pPr>
-            <a:r>
-              <a:rPr lang="en-US" altLang="zh-TW" dirty="0">
-                <a:latin typeface="Microsoft JhengHei UI" panose="020B0604030504040204" pitchFamily="34" charset="-120"/>
-                <a:ea typeface="Microsoft JhengHei UI" panose="020B0604030504040204" pitchFamily="34" charset="-120"/>
-              </a:rPr>
-              <a:t>KNN  SVM </a:t>
-            </a:r>
-            <a:r>
-              <a:rPr lang="zh-TW" altLang="en-US" dirty="0">
-                <a:latin typeface="Microsoft JhengHei UI" panose="020B0604030504040204" pitchFamily="34" charset="-120"/>
-                <a:ea typeface="Microsoft JhengHei UI" panose="020B0604030504040204" pitchFamily="34" charset="-120"/>
-              </a:rPr>
-              <a:t>擇一</a:t>
-            </a:r>
-            <a:endParaRPr lang="en-US" altLang="zh-TW" dirty="0">
-              <a:latin typeface="Microsoft JhengHei UI" panose="020B0604030504040204" pitchFamily="34" charset="-120"/>
-              <a:ea typeface="Microsoft JhengHei UI" panose="020B0604030504040204" pitchFamily="34" charset="-120"/>
-            </a:endParaRPr>
-          </a:p>
-          <a:p>
-            <a:pPr marL="1257300" lvl="2" indent="-342900">
-              <a:lnSpc>
-                <a:spcPct val="100000"/>
-              </a:lnSpc>
-              <a:buFont typeface="+mj-lt"/>
-              <a:buAutoNum type="arabicPeriod"/>
-            </a:pPr>
-            <a:endParaRPr lang="en-US" altLang="zh-TW" dirty="0">
-              <a:latin typeface="Microsoft JhengHei UI" panose="020B0604030504040204" pitchFamily="34" charset="-120"/>
-              <a:ea typeface="Microsoft JhengHei UI" panose="020B0604030504040204" pitchFamily="34" charset="-120"/>
-            </a:endParaRPr>
-          </a:p>
-          <a:p>
-            <a:pPr>
-              <a:lnSpc>
-                <a:spcPct val="100000"/>
-              </a:lnSpc>
-            </a:pPr>
-            <a:r>
-              <a:rPr lang="zh-TW" altLang="en-US" sz="1800" dirty="0">
-                <a:latin typeface="Microsoft JhengHei UI" panose="020B0604030504040204" pitchFamily="34" charset="-120"/>
-                <a:ea typeface="Microsoft JhengHei UI" panose="020B0604030504040204" pitchFamily="34" charset="-120"/>
-              </a:rPr>
-              <a:t>輸出：</a:t>
-            </a:r>
-            <a:endParaRPr lang="en-US" altLang="zh-TW" sz="1800" dirty="0">
-              <a:latin typeface="Microsoft JhengHei UI" panose="020B0604030504040204" pitchFamily="34" charset="-120"/>
-              <a:ea typeface="Microsoft JhengHei UI" panose="020B0604030504040204" pitchFamily="34" charset="-120"/>
-            </a:endParaRPr>
-          </a:p>
-          <a:p>
-            <a:pPr lvl="1">
-              <a:lnSpc>
-                <a:spcPct val="100000"/>
-              </a:lnSpc>
-            </a:pPr>
-            <a:r>
-              <a:rPr lang="en-US" altLang="zh-TW" dirty="0">
-                <a:latin typeface="Microsoft JhengHei UI" panose="020B0604030504040204" pitchFamily="34" charset="-120"/>
-                <a:ea typeface="Microsoft JhengHei UI" panose="020B0604030504040204" pitchFamily="34" charset="-120"/>
-              </a:rPr>
-              <a:t>Log file</a:t>
-            </a:r>
-            <a:r>
-              <a:rPr lang="zh-TW" altLang="en-US" dirty="0">
-                <a:latin typeface="Microsoft JhengHei UI" panose="020B0604030504040204" pitchFamily="34" charset="-120"/>
-                <a:ea typeface="Microsoft JhengHei UI" panose="020B0604030504040204" pitchFamily="34" charset="-120"/>
-              </a:rPr>
-              <a:t> </a:t>
-            </a:r>
-            <a:r>
-              <a:rPr lang="en-US" altLang="zh-TW" dirty="0">
+        </p:txBody>
+      </p:sp>
+      <p:sp>
+        <p:nvSpPr>
+          <p:cNvPr id="3" name="標題 2"/>
+          <p:cNvSpPr>
+            <a:spLocks noGrp="1"/>
+          </p:cNvSpPr>
+          <p:nvPr>
+            <p:ph type="title"/>
+          </p:nvPr>
+        </p:nvSpPr>
+        <p:spPr/>
+        <p:txBody>
+          <a:bodyPr/>
+          <a:lstStyle/>
+          <a:p>
+            <a:r>
+              <a:rPr lang="zh-TW" altLang="en-US" b="0" dirty="0">
+                <a:latin typeface="Microsoft JhengHei UI" panose="020B0604030504040204" pitchFamily="34" charset="-120"/>
+                <a:ea typeface="Microsoft JhengHei UI" panose="020B0604030504040204" pitchFamily="34" charset="-120"/>
+              </a:rPr>
+              <a:t>需求 </a:t>
+            </a:r>
+            <a:r>
+              <a:rPr lang="en-US" altLang="zh-TW" b="0" dirty="0">
                 <a:latin typeface="Microsoft JhengHei UI" panose="020B0604030504040204" pitchFamily="34" charset="-120"/>
                 <a:ea typeface="Microsoft JhengHei UI" panose="020B0604030504040204" pitchFamily="34" charset="-120"/>
               </a:rPr>
               <a:t>–</a:t>
             </a:r>
             <a:r>
-              <a:rPr lang="zh-TW" altLang="en-US" dirty="0">
-                <a:latin typeface="Microsoft JhengHei UI" panose="020B0604030504040204" pitchFamily="34" charset="-120"/>
-                <a:ea typeface="Microsoft JhengHei UI" panose="020B0604030504040204" pitchFamily="34" charset="-120"/>
-              </a:rPr>
-              <a:t>訓練模型樣本</a:t>
-            </a:r>
-            <a:endParaRPr lang="en-US" altLang="zh-TW" dirty="0">
-              <a:latin typeface="Microsoft JhengHei UI" panose="020B0604030504040204" pitchFamily="34" charset="-120"/>
-              <a:ea typeface="Microsoft JhengHei UI" panose="020B0604030504040204" pitchFamily="34" charset="-120"/>
-            </a:endParaRPr>
-          </a:p>
-        </p:txBody>
-      </p:sp>
-      <p:sp>
-        <p:nvSpPr>
-          <p:cNvPr id="3" name="標題 2"/>
-          <p:cNvSpPr>
-            <a:spLocks noGrp="1"/>
-          </p:cNvSpPr>
-          <p:nvPr>
-            <p:ph type="title"/>
-          </p:nvPr>
-        </p:nvSpPr>
-        <p:spPr>
-          <a:xfrm>
-            <a:off x="838200" y="365125"/>
-            <a:ext cx="10515600" cy="720000"/>
-          </a:xfrm>
-        </p:spPr>
-        <p:txBody>
-          <a:bodyPr/>
-          <a:lstStyle/>
-          <a:p>
-            <a:r>
               <a:rPr lang="zh-TW" altLang="en-US" b="0" dirty="0">
                 <a:latin typeface="Microsoft JhengHei UI" panose="020B0604030504040204" pitchFamily="34" charset="-120"/>
                 <a:ea typeface="Microsoft JhengHei UI" panose="020B0604030504040204" pitchFamily="34" charset="-120"/>
               </a:rPr>
-              <a:t>需求 </a:t>
-            </a:r>
-            <a:r>
-              <a:rPr lang="en-US" altLang="zh-TW" b="0" dirty="0">
-                <a:latin typeface="Microsoft JhengHei UI" panose="020B0604030504040204" pitchFamily="34" charset="-120"/>
-                <a:ea typeface="Microsoft JhengHei UI" panose="020B0604030504040204" pitchFamily="34" charset="-120"/>
-              </a:rPr>
-              <a:t>–</a:t>
-            </a:r>
-            <a:r>
-              <a:rPr lang="zh-TW" altLang="en-US" b="0" dirty="0">
-                <a:latin typeface="Microsoft JhengHei UI" panose="020B0604030504040204" pitchFamily="34" charset="-120"/>
-                <a:ea typeface="Microsoft JhengHei UI" panose="020B0604030504040204" pitchFamily="34" charset="-120"/>
-              </a:rPr>
-              <a:t> 功能</a:t>
+              <a:t> 環境限制</a:t>
             </a:r>
           </a:p>
         </p:txBody>
@@ -5459,7 +5510,7 @@
     </p:spTree>
     <p:extLst>
       <p:ext uri="{BB962C8B-B14F-4D97-AF65-F5344CB8AC3E}">
-        <p14:creationId xmlns:p14="http://schemas.microsoft.com/office/powerpoint/2010/main" val="3238237958"/>
+        <p14:creationId xmlns:p14="http://schemas.microsoft.com/office/powerpoint/2010/main" val="183054945"/>
       </p:ext>
     </p:extLst>
   </p:cSld>
@@ -5509,13 +5560,13 @@
               </a:lnSpc>
             </a:pPr>
             <a:r>
-              <a:rPr lang="zh-TW" altLang="en-US" sz="2800" dirty="0">
-                <a:latin typeface="Microsoft JhengHei UI" panose="020B0604030504040204" pitchFamily="34" charset="-120"/>
-                <a:ea typeface="Microsoft JhengHei UI" panose="020B0604030504040204" pitchFamily="34" charset="-120"/>
-              </a:rPr>
-              <a:t>硬體：</a:t>
-            </a:r>
-            <a:endParaRPr lang="en-US" altLang="zh-TW" sz="2800" dirty="0">
+              <a:rPr lang="zh-TW" altLang="en-US" sz="2000" dirty="0">
+                <a:latin typeface="Microsoft JhengHei UI" panose="020B0604030504040204" pitchFamily="34" charset="-120"/>
+                <a:ea typeface="Microsoft JhengHei UI" panose="020B0604030504040204" pitchFamily="34" charset="-120"/>
+              </a:rPr>
+              <a:t>訓練程式：</a:t>
+            </a:r>
+            <a:endParaRPr lang="en-US" altLang="zh-TW" sz="2000" dirty="0">
               <a:latin typeface="Microsoft JhengHei UI" panose="020B0604030504040204" pitchFamily="34" charset="-120"/>
               <a:ea typeface="Microsoft JhengHei UI" panose="020B0604030504040204" pitchFamily="34" charset="-120"/>
             </a:endParaRPr>
@@ -5527,64 +5578,53 @@
               </a:lnSpc>
             </a:pPr>
             <a:r>
-              <a:rPr lang="en-US" altLang="zh-TW" sz="2000" dirty="0" err="1">
-                <a:latin typeface="Microsoft JhengHei UI" panose="020B0604030504040204" pitchFamily="34" charset="-120"/>
-                <a:ea typeface="Microsoft JhengHei UI" panose="020B0604030504040204" pitchFamily="34" charset="-120"/>
-              </a:rPr>
-              <a:t>Macbook</a:t>
+              <a:rPr lang="zh-TW" altLang="en-US" sz="2000" dirty="0">
+                <a:latin typeface="Microsoft JhengHei UI" panose="020B0604030504040204" pitchFamily="34" charset="-120"/>
+                <a:ea typeface="Microsoft JhengHei UI" panose="020B0604030504040204" pitchFamily="34" charset="-120"/>
+              </a:rPr>
+              <a:t>透過</a:t>
             </a:r>
             <a:r>
               <a:rPr lang="en-US" altLang="zh-TW" sz="2000" dirty="0">
                 <a:latin typeface="Microsoft JhengHei UI" panose="020B0604030504040204" pitchFamily="34" charset="-120"/>
                 <a:ea typeface="Microsoft JhengHei UI" panose="020B0604030504040204" pitchFamily="34" charset="-120"/>
               </a:rPr>
-              <a:t> pro 13 </a:t>
-            </a:r>
-          </a:p>
-          <a:p>
-            <a:pPr lvl="1">
-              <a:lnSpc>
-                <a:spcPct val="150000"/>
-              </a:lnSpc>
-            </a:pPr>
+              <a:t>Rule</a:t>
+            </a:r>
+            <a:r>
+              <a:rPr lang="zh-TW" altLang="en-US" sz="2000" dirty="0">
+                <a:latin typeface="Microsoft JhengHei UI" panose="020B0604030504040204" pitchFamily="34" charset="-120"/>
+                <a:ea typeface="Microsoft JhengHei UI" panose="020B0604030504040204" pitchFamily="34" charset="-120"/>
+              </a:rPr>
+              <a:t> </a:t>
+            </a:r>
             <a:r>
               <a:rPr lang="en-US" altLang="zh-TW" sz="2000" dirty="0">
                 <a:latin typeface="Microsoft JhengHei UI" panose="020B0604030504040204" pitchFamily="34" charset="-120"/>
                 <a:ea typeface="Microsoft JhengHei UI" panose="020B0604030504040204" pitchFamily="34" charset="-120"/>
               </a:rPr>
-              <a:t>i5 2.5GHz 16GB 512GB</a:t>
-            </a:r>
-          </a:p>
-          <a:p>
-            <a:pPr>
-              <a:lnSpc>
-                <a:spcPct val="150000"/>
-              </a:lnSpc>
-            </a:pPr>
-            <a:r>
-              <a:rPr lang="zh-TW" altLang="en-US" sz="2800" dirty="0">
-                <a:latin typeface="Microsoft JhengHei UI" panose="020B0604030504040204" pitchFamily="34" charset="-120"/>
-                <a:ea typeface="Microsoft JhengHei UI" panose="020B0604030504040204" pitchFamily="34" charset="-120"/>
-              </a:rPr>
-              <a:t>軟體：</a:t>
-            </a:r>
-            <a:endParaRPr lang="en-US" altLang="zh-TW" sz="2800" dirty="0">
-              <a:latin typeface="Microsoft JhengHei UI" panose="020B0604030504040204" pitchFamily="34" charset="-120"/>
-              <a:ea typeface="Microsoft JhengHei UI" panose="020B0604030504040204" pitchFamily="34" charset="-120"/>
-            </a:endParaRPr>
-          </a:p>
-          <a:p>
-            <a:pPr lvl="1">
-              <a:lnSpc>
-                <a:spcPct val="150000"/>
-              </a:lnSpc>
-            </a:pPr>
-            <a:r>
-              <a:rPr lang="en-US" altLang="zh-TW" sz="2000" dirty="0" err="1">
-                <a:latin typeface="Microsoft JhengHei UI" panose="020B0604030504040204" pitchFamily="34" charset="-120"/>
-                <a:ea typeface="Microsoft JhengHei UI" panose="020B0604030504040204" pitchFamily="34" charset="-120"/>
-              </a:rPr>
-              <a:t>VScode</a:t>
+              <a:t>Base</a:t>
+            </a:r>
+            <a:r>
+              <a:rPr lang="zh-TW" altLang="en-US" sz="2000" dirty="0">
+                <a:latin typeface="Microsoft JhengHei UI" panose="020B0604030504040204" pitchFamily="34" charset="-120"/>
+                <a:ea typeface="Microsoft JhengHei UI" panose="020B0604030504040204" pitchFamily="34" charset="-120"/>
+              </a:rPr>
+              <a:t>產生的</a:t>
+            </a:r>
+            <a:r>
+              <a:rPr lang="en-US" altLang="zh-TW" sz="2000" dirty="0">
+                <a:latin typeface="Microsoft JhengHei UI" panose="020B0604030504040204" pitchFamily="34" charset="-120"/>
+                <a:ea typeface="Microsoft JhengHei UI" panose="020B0604030504040204" pitchFamily="34" charset="-120"/>
+              </a:rPr>
+              <a:t>Log</a:t>
+            </a:r>
+            <a:r>
+              <a:rPr lang="zh-TW" altLang="en-US" sz="2000" dirty="0">
+                <a:latin typeface="Microsoft JhengHei UI" panose="020B0604030504040204" pitchFamily="34" charset="-120"/>
+                <a:ea typeface="Microsoft JhengHei UI" panose="020B0604030504040204" pitchFamily="34" charset="-120"/>
+              </a:rPr>
+              <a:t>檔來產生訓練模型。</a:t>
             </a:r>
             <a:endParaRPr lang="en-US" altLang="zh-TW" sz="2000" dirty="0">
               <a:latin typeface="Microsoft JhengHei UI" panose="020B0604030504040204" pitchFamily="34" charset="-120"/>
@@ -5592,39 +5632,7 @@
             </a:endParaRPr>
           </a:p>
           <a:p>
-            <a:pPr lvl="1">
-              <a:lnSpc>
-                <a:spcPct val="150000"/>
-              </a:lnSpc>
-            </a:pPr>
-            <a:r>
-              <a:rPr lang="en-US" altLang="zh-TW" sz="2000" dirty="0">
-                <a:latin typeface="Microsoft JhengHei UI" panose="020B0604030504040204" pitchFamily="34" charset="-120"/>
-                <a:ea typeface="Microsoft JhengHei UI" panose="020B0604030504040204" pitchFamily="34" charset="-120"/>
-              </a:rPr>
-              <a:t>Python3.7</a:t>
-            </a:r>
-          </a:p>
-          <a:p>
-            <a:pPr lvl="1">
-              <a:lnSpc>
-                <a:spcPct val="150000"/>
-              </a:lnSpc>
-            </a:pPr>
-            <a:r>
-              <a:rPr lang="en-US" altLang="zh-TW" sz="2000" dirty="0" err="1">
-                <a:latin typeface="Microsoft JhengHei UI" panose="020B0604030504040204" pitchFamily="34" charset="-120"/>
-                <a:ea typeface="Microsoft JhengHei UI" panose="020B0604030504040204" pitchFamily="34" charset="-120"/>
-              </a:rPr>
-              <a:t>MLGame</a:t>
-            </a:r>
-            <a:endParaRPr lang="en-US" altLang="zh-TW" sz="2000" dirty="0">
-              <a:latin typeface="Microsoft JhengHei UI" panose="020B0604030504040204" pitchFamily="34" charset="-120"/>
-              <a:ea typeface="Microsoft JhengHei UI" panose="020B0604030504040204" pitchFamily="34" charset="-120"/>
-            </a:endParaRPr>
-          </a:p>
-          <a:p>
-            <a:pPr lvl="1">
+            <a:pPr>
               <a:lnSpc>
                 <a:spcPct val="150000"/>
               </a:lnSpc>
@@ -5634,91 +5642,6 @@
               <a:ea typeface="Microsoft JhengHei UI" panose="020B0604030504040204" pitchFamily="34" charset="-120"/>
             </a:endParaRPr>
           </a:p>
-        </p:txBody>
-      </p:sp>
-      <p:sp>
-        <p:nvSpPr>
-          <p:cNvPr id="3" name="標題 2"/>
-          <p:cNvSpPr>
-            <a:spLocks noGrp="1"/>
-          </p:cNvSpPr>
-          <p:nvPr>
-            <p:ph type="title"/>
-          </p:nvPr>
-        </p:nvSpPr>
-        <p:spPr/>
-        <p:txBody>
-          <a:bodyPr/>
-          <a:lstStyle/>
-          <a:p>
-            <a:r>
-              <a:rPr lang="zh-TW" altLang="en-US" b="0" dirty="0">
-                <a:latin typeface="Microsoft JhengHei UI" panose="020B0604030504040204" pitchFamily="34" charset="-120"/>
-                <a:ea typeface="Microsoft JhengHei UI" panose="020B0604030504040204" pitchFamily="34" charset="-120"/>
-              </a:rPr>
-              <a:t>需求 </a:t>
-            </a:r>
-            <a:r>
-              <a:rPr lang="en-US" altLang="zh-TW" b="0" dirty="0">
-                <a:latin typeface="Microsoft JhengHei UI" panose="020B0604030504040204" pitchFamily="34" charset="-120"/>
-                <a:ea typeface="Microsoft JhengHei UI" panose="020B0604030504040204" pitchFamily="34" charset="-120"/>
-              </a:rPr>
-              <a:t>–</a:t>
-            </a:r>
-            <a:r>
-              <a:rPr lang="zh-TW" altLang="en-US" b="0" dirty="0">
-                <a:latin typeface="Microsoft JhengHei UI" panose="020B0604030504040204" pitchFamily="34" charset="-120"/>
-                <a:ea typeface="Microsoft JhengHei UI" panose="020B0604030504040204" pitchFamily="34" charset="-120"/>
-              </a:rPr>
-              <a:t> 校能需求</a:t>
-            </a:r>
-          </a:p>
-        </p:txBody>
-      </p:sp>
-    </p:spTree>
-    <p:extLst>
-      <p:ext uri="{BB962C8B-B14F-4D97-AF65-F5344CB8AC3E}">
-        <p14:creationId xmlns:p14="http://schemas.microsoft.com/office/powerpoint/2010/main" val="183054945"/>
-      </p:ext>
-    </p:extLst>
-  </p:cSld>
-  <p:clrMapOvr>
-    <a:masterClrMapping/>
-  </p:clrMapOvr>
-</p:sld>
-</file>
-
-<file path=ppt/slides/slide7.xml><?xml version="1.0" encoding="utf-8"?>
-<p:sld xmlns:a="http://schemas.openxmlformats.org/drawingml/2006/main" xmlns:r="http://schemas.openxmlformats.org/officeDocument/2006/relationships" xmlns:p="http://schemas.openxmlformats.org/presentationml/2006/main">
-  <p:cSld>
-    <p:spTree>
-      <p:nvGrpSpPr>
-        <p:cNvPr id="1" name=""/>
-        <p:cNvGrpSpPr/>
-        <p:nvPr/>
-      </p:nvGrpSpPr>
-      <p:grpSpPr>
-        <a:xfrm>
-          <a:off x="0" y="0"/>
-          <a:ext cx="0" cy="0"/>
-          <a:chOff x="0" y="0"/>
-          <a:chExt cx="0" cy="0"/>
-        </a:xfrm>
-      </p:grpSpPr>
-      <p:sp>
-        <p:nvSpPr>
-          <p:cNvPr id="2" name="內容版面配置區 1"/>
-          <p:cNvSpPr>
-            <a:spLocks noGrp="1"/>
-          </p:cNvSpPr>
-          <p:nvPr>
-            <p:ph idx="1"/>
-          </p:nvPr>
-        </p:nvSpPr>
-        <p:spPr/>
-        <p:txBody>
-          <a:bodyPr numCol="1"/>
-          <a:lstStyle/>
           <a:p>
             <a:pPr>
               <a:lnSpc>
@@ -5726,13 +5649,13 @@
               </a:lnSpc>
             </a:pPr>
             <a:r>
-              <a:rPr lang="zh-TW" altLang="en-US" dirty="0">
-                <a:latin typeface="Microsoft JhengHei UI" panose="020B0604030504040204" pitchFamily="34" charset="-120"/>
-                <a:ea typeface="Microsoft JhengHei UI" panose="020B0604030504040204" pitchFamily="34" charset="-120"/>
-              </a:rPr>
-              <a:t>訓練程式：</a:t>
-            </a:r>
-            <a:endParaRPr lang="en-US" altLang="zh-TW" dirty="0">
+              <a:rPr lang="zh-TW" altLang="en-US" sz="2000" dirty="0">
+                <a:latin typeface="Microsoft JhengHei UI" panose="020B0604030504040204" pitchFamily="34" charset="-120"/>
+                <a:ea typeface="Microsoft JhengHei UI" panose="020B0604030504040204" pitchFamily="34" charset="-120"/>
+              </a:rPr>
+              <a:t>執行程式：</a:t>
+            </a:r>
+            <a:endParaRPr lang="en-US" altLang="zh-TW" sz="2000" dirty="0">
               <a:latin typeface="Microsoft JhengHei UI" panose="020B0604030504040204" pitchFamily="34" charset="-120"/>
               <a:ea typeface="Microsoft JhengHei UI" panose="020B0604030504040204" pitchFamily="34" charset="-120"/>
             </a:endParaRPr>
@@ -5744,102 +5667,13 @@
               </a:lnSpc>
             </a:pPr>
             <a:r>
-              <a:rPr lang="zh-TW" altLang="en-US" dirty="0">
-                <a:latin typeface="Microsoft JhengHei UI" panose="020B0604030504040204" pitchFamily="34" charset="-120"/>
-                <a:ea typeface="Microsoft JhengHei UI" panose="020B0604030504040204" pitchFamily="34" charset="-120"/>
-              </a:rPr>
-              <a:t>透過</a:t>
-            </a:r>
-            <a:r>
-              <a:rPr lang="en-US" altLang="zh-TW" dirty="0">
-                <a:latin typeface="Microsoft JhengHei UI" panose="020B0604030504040204" pitchFamily="34" charset="-120"/>
-                <a:ea typeface="Microsoft JhengHei UI" panose="020B0604030504040204" pitchFamily="34" charset="-120"/>
-              </a:rPr>
-              <a:t>Rule</a:t>
-            </a:r>
-            <a:r>
-              <a:rPr lang="zh-TW" altLang="en-US" dirty="0">
-                <a:latin typeface="Microsoft JhengHei UI" panose="020B0604030504040204" pitchFamily="34" charset="-120"/>
-                <a:ea typeface="Microsoft JhengHei UI" panose="020B0604030504040204" pitchFamily="34" charset="-120"/>
-              </a:rPr>
-              <a:t> </a:t>
-            </a:r>
-            <a:r>
-              <a:rPr lang="en-US" altLang="zh-TW" dirty="0">
-                <a:latin typeface="Microsoft JhengHei UI" panose="020B0604030504040204" pitchFamily="34" charset="-120"/>
-                <a:ea typeface="Microsoft JhengHei UI" panose="020B0604030504040204" pitchFamily="34" charset="-120"/>
-              </a:rPr>
-              <a:t>Base</a:t>
-            </a:r>
-            <a:r>
-              <a:rPr lang="zh-TW" altLang="en-US" dirty="0">
-                <a:latin typeface="Microsoft JhengHei UI" panose="020B0604030504040204" pitchFamily="34" charset="-120"/>
-                <a:ea typeface="Microsoft JhengHei UI" panose="020B0604030504040204" pitchFamily="34" charset="-120"/>
-              </a:rPr>
-              <a:t>產生的</a:t>
-            </a:r>
-            <a:r>
-              <a:rPr lang="en-US" altLang="zh-TW" dirty="0">
-                <a:latin typeface="Microsoft JhengHei UI" panose="020B0604030504040204" pitchFamily="34" charset="-120"/>
-                <a:ea typeface="Microsoft JhengHei UI" panose="020B0604030504040204" pitchFamily="34" charset="-120"/>
-              </a:rPr>
-              <a:t>Log</a:t>
-            </a:r>
-            <a:r>
-              <a:rPr lang="zh-TW" altLang="en-US" dirty="0">
-                <a:latin typeface="Microsoft JhengHei UI" panose="020B0604030504040204" pitchFamily="34" charset="-120"/>
-                <a:ea typeface="Microsoft JhengHei UI" panose="020B0604030504040204" pitchFamily="34" charset="-120"/>
-              </a:rPr>
-              <a:t>檔來產生訓練模型。</a:t>
-            </a:r>
-            <a:endParaRPr lang="en-US" altLang="zh-TW" dirty="0">
-              <a:latin typeface="Microsoft JhengHei UI" panose="020B0604030504040204" pitchFamily="34" charset="-120"/>
-              <a:ea typeface="Microsoft JhengHei UI" panose="020B0604030504040204" pitchFamily="34" charset="-120"/>
-            </a:endParaRPr>
-          </a:p>
-          <a:p>
-            <a:pPr>
-              <a:lnSpc>
-                <a:spcPct val="150000"/>
-              </a:lnSpc>
-            </a:pPr>
-            <a:endParaRPr lang="en-US" altLang="zh-TW" dirty="0">
-              <a:latin typeface="Microsoft JhengHei UI" panose="020B0604030504040204" pitchFamily="34" charset="-120"/>
-              <a:ea typeface="Microsoft JhengHei UI" panose="020B0604030504040204" pitchFamily="34" charset="-120"/>
-            </a:endParaRPr>
-          </a:p>
-          <a:p>
-            <a:pPr>
-              <a:lnSpc>
-                <a:spcPct val="150000"/>
-              </a:lnSpc>
-            </a:pPr>
-            <a:r>
-              <a:rPr lang="zh-TW" altLang="en-US" dirty="0">
-                <a:latin typeface="Microsoft JhengHei UI" panose="020B0604030504040204" pitchFamily="34" charset="-120"/>
-                <a:ea typeface="Microsoft JhengHei UI" panose="020B0604030504040204" pitchFamily="34" charset="-120"/>
-              </a:rPr>
-              <a:t>執行程式：</a:t>
-            </a:r>
-            <a:endParaRPr lang="en-US" altLang="zh-TW" dirty="0">
-              <a:latin typeface="Microsoft JhengHei UI" panose="020B0604030504040204" pitchFamily="34" charset="-120"/>
-              <a:ea typeface="Microsoft JhengHei UI" panose="020B0604030504040204" pitchFamily="34" charset="-120"/>
-            </a:endParaRPr>
-          </a:p>
-          <a:p>
-            <a:pPr lvl="1">
-              <a:lnSpc>
-                <a:spcPct val="150000"/>
-              </a:lnSpc>
-            </a:pPr>
-            <a:r>
-              <a:rPr lang="zh-TW" altLang="en-US" dirty="0">
+              <a:rPr lang="zh-TW" altLang="en-US" sz="2000" dirty="0">
                 <a:latin typeface="Microsoft JhengHei UI" panose="020B0604030504040204" pitchFamily="34" charset="-120"/>
                 <a:ea typeface="Microsoft JhengHei UI" panose="020B0604030504040204" pitchFamily="34" charset="-120"/>
               </a:rPr>
               <a:t>讀取訓練完成的程式模型，依照訓練後的結果來達到自動對打的功能。</a:t>
             </a:r>
-            <a:endParaRPr lang="en-US" altLang="zh-TW" dirty="0">
+            <a:endParaRPr lang="en-US" altLang="zh-TW" sz="2000" dirty="0">
               <a:latin typeface="Microsoft JhengHei UI" panose="020B0604030504040204" pitchFamily="34" charset="-120"/>
               <a:ea typeface="Microsoft JhengHei UI" panose="020B0604030504040204" pitchFamily="34" charset="-120"/>
             </a:endParaRPr>
@@ -5889,7 +5723,7 @@
 </p:sld>
 </file>
 
-<file path=ppt/slides/slide8.xml><?xml version="1.0" encoding="utf-8"?>
+<file path=ppt/slides/slide7.xml><?xml version="1.0" encoding="utf-8"?>
 <p:sld xmlns:a="http://schemas.openxmlformats.org/drawingml/2006/main" xmlns:r="http://schemas.openxmlformats.org/officeDocument/2006/relationships" xmlns:p="http://schemas.openxmlformats.org/presentationml/2006/main">
   <p:cSld>
     <p:spTree>
@@ -6978,7 +6812,7 @@
 </p:sld>
 </file>
 
-<file path=ppt/slides/slide9.xml><?xml version="1.0" encoding="utf-8"?>
+<file path=ppt/slides/slide8.xml><?xml version="1.0" encoding="utf-8"?>
 <p:sld xmlns:a="http://schemas.openxmlformats.org/drawingml/2006/main" xmlns:r="http://schemas.openxmlformats.org/officeDocument/2006/relationships" xmlns:p="http://schemas.openxmlformats.org/presentationml/2006/main">
   <p:cSld>
     <p:spTree>
